--- a/01-Introduction_to_C/Notes/C Programming.pptx
+++ b/01-Introduction_to_C/Notes/C Programming.pptx
@@ -231,7 +231,7 @@
           <a:p>
             <a:fld id="{4929A4FD-FAFB-4CDA-9DC5-D20CA18269A9}" type="datetimeFigureOut">
               <a:rPr lang="en-US" smtClean="0"/>
-              <a:t>4/2/2023</a:t>
+              <a:t>4/8/2023</a:t>
             </a:fld>
             <a:endParaRPr lang="en-US" dirty="0"/>
           </a:p>
@@ -408,7 +408,7 @@
           <a:p>
             <a:fld id="{CB91E35E-F34C-4F0E-B8A1-D9F5F49CB3AD}" type="datetimeFigureOut">
               <a:rPr lang="en-US" smtClean="0"/>
-              <a:t>4/2/2023</a:t>
+              <a:t>4/8/2023</a:t>
             </a:fld>
             <a:endParaRPr lang="en-US" dirty="0"/>
           </a:p>
@@ -1089,7 +1089,7 @@
             <a:fld id="{B61BEF0D-F0BB-DE4B-95CE-6DB70DBA9567}" type="datetimeFigureOut">
               <a:rPr lang="en-US" smtClean="0"/>
               <a:pPr/>
-              <a:t>4/2/2023</a:t>
+              <a:t>4/8/2023</a:t>
             </a:fld>
             <a:endParaRPr lang="en-US" dirty="0"/>
           </a:p>
@@ -1356,7 +1356,7 @@
             <a:fld id="{B61BEF0D-F0BB-DE4B-95CE-6DB70DBA9567}" type="datetimeFigureOut">
               <a:rPr lang="en-US" smtClean="0"/>
               <a:pPr/>
-              <a:t>4/2/2023</a:t>
+              <a:t>4/8/2023</a:t>
             </a:fld>
             <a:endParaRPr lang="en-US" dirty="0"/>
           </a:p>
@@ -1596,7 +1596,7 @@
             <a:fld id="{B61BEF0D-F0BB-DE4B-95CE-6DB70DBA9567}" type="datetimeFigureOut">
               <a:rPr lang="en-US" smtClean="0"/>
               <a:pPr/>
-              <a:t>4/2/2023</a:t>
+              <a:t>4/8/2023</a:t>
             </a:fld>
             <a:endParaRPr lang="en-US" dirty="0"/>
           </a:p>
@@ -1841,7 +1841,7 @@
             <a:fld id="{B61BEF0D-F0BB-DE4B-95CE-6DB70DBA9567}" type="datetimeFigureOut">
               <a:rPr lang="en-US" smtClean="0"/>
               <a:pPr/>
-              <a:t>4/2/2023</a:t>
+              <a:t>4/8/2023</a:t>
             </a:fld>
             <a:endParaRPr lang="en-US" dirty="0"/>
           </a:p>
@@ -2153,7 +2153,7 @@
             <a:fld id="{B61BEF0D-F0BB-DE4B-95CE-6DB70DBA9567}" type="datetimeFigureOut">
               <a:rPr lang="en-US" smtClean="0"/>
               <a:pPr/>
-              <a:t>4/2/2023</a:t>
+              <a:t>4/8/2023</a:t>
             </a:fld>
             <a:endParaRPr lang="en-US" dirty="0"/>
           </a:p>
@@ -2460,7 +2460,7 @@
             <a:fld id="{B61BEF0D-F0BB-DE4B-95CE-6DB70DBA9567}" type="datetimeFigureOut">
               <a:rPr lang="en-US" smtClean="0"/>
               <a:pPr/>
-              <a:t>4/2/2023</a:t>
+              <a:t>4/8/2023</a:t>
             </a:fld>
             <a:endParaRPr lang="en-US" dirty="0"/>
           </a:p>
@@ -2887,7 +2887,7 @@
             <a:fld id="{B61BEF0D-F0BB-DE4B-95CE-6DB70DBA9567}" type="datetimeFigureOut">
               <a:rPr lang="en-US" smtClean="0"/>
               <a:pPr/>
-              <a:t>4/2/2023</a:t>
+              <a:t>4/8/2023</a:t>
             </a:fld>
             <a:endParaRPr lang="en-US" dirty="0"/>
           </a:p>
@@ -2987,7 +2987,7 @@
             <a:fld id="{B61BEF0D-F0BB-DE4B-95CE-6DB70DBA9567}" type="datetimeFigureOut">
               <a:rPr lang="en-US" smtClean="0"/>
               <a:pPr/>
-              <a:t>4/2/2023</a:t>
+              <a:t>4/8/2023</a:t>
             </a:fld>
             <a:endParaRPr lang="en-US" dirty="0"/>
           </a:p>
@@ -3154,7 +3154,7 @@
             <a:fld id="{B61BEF0D-F0BB-DE4B-95CE-6DB70DBA9567}" type="datetimeFigureOut">
               <a:rPr lang="en-US" smtClean="0"/>
               <a:pPr/>
-              <a:t>4/2/2023</a:t>
+              <a:t>4/8/2023</a:t>
             </a:fld>
             <a:endParaRPr lang="en-US" dirty="0"/>
           </a:p>
@@ -3537,7 +3537,7 @@
             <a:fld id="{B61BEF0D-F0BB-DE4B-95CE-6DB70DBA9567}" type="datetimeFigureOut">
               <a:rPr lang="en-US" smtClean="0"/>
               <a:pPr/>
-              <a:t>4/2/2023</a:t>
+              <a:t>4/8/2023</a:t>
             </a:fld>
             <a:endParaRPr lang="en-US" dirty="0"/>
           </a:p>
@@ -3831,7 +3831,7 @@
             <a:fld id="{B61BEF0D-F0BB-DE4B-95CE-6DB70DBA9567}" type="datetimeFigureOut">
               <a:rPr lang="en-US" smtClean="0"/>
               <a:pPr/>
-              <a:t>4/2/2023</a:t>
+              <a:t>4/8/2023</a:t>
             </a:fld>
             <a:endParaRPr lang="en-US" dirty="0"/>
           </a:p>
@@ -4047,7 +4047,7 @@
             <a:fld id="{B61BEF0D-F0BB-DE4B-95CE-6DB70DBA9567}" type="datetimeFigureOut">
               <a:rPr lang="en-US" smtClean="0"/>
               <a:pPr/>
-              <a:t>4/2/2023</a:t>
+              <a:t>4/8/2023</a:t>
             </a:fld>
             <a:endParaRPr lang="en-US" dirty="0"/>
           </a:p>
@@ -6765,7 +6765,7 @@
         <p:spPr>
           <a:xfrm>
             <a:off x="1173138" y="1266479"/>
-            <a:ext cx="10113698" cy="3999641"/>
+            <a:ext cx="10113698" cy="4430528"/>
           </a:xfrm>
           <a:prstGeom prst="rect">
             <a:avLst/>
@@ -6928,27 +6928,7 @@
                 <a:latin typeface="Century Gothic"/>
                 <a:ea typeface="DejaVu Sans"/>
               </a:rPr>
-              <a:t>	</a:t>
-            </a:r>
-            <a:r>
-              <a:rPr lang="en-US" sz="2800" b="0" strike="noStrike" spc="-1" dirty="0" err="1">
-                <a:solidFill>
-                  <a:srgbClr val="000000"/>
-                </a:solidFill>
-                <a:latin typeface="Century Gothic"/>
-                <a:ea typeface="DejaVu Sans"/>
-              </a:rPr>
-              <a:t>printf</a:t>
-            </a:r>
-            <a:r>
-              <a:rPr lang="en-US" sz="2800" b="0" strike="noStrike" spc="-1" dirty="0">
-                <a:solidFill>
-                  <a:srgbClr val="000000"/>
-                </a:solidFill>
-                <a:latin typeface="Century Gothic"/>
-                <a:ea typeface="DejaVu Sans"/>
-              </a:rPr>
-              <a:t>("Hello C Programming\n");  </a:t>
+              <a:t>	printf("Hello in C Programming");  </a:t>
             </a:r>
             <a:endParaRPr lang="en-IN" sz="2800" b="0" strike="noStrike" spc="-1" dirty="0">
               <a:latin typeface="Arial"/>
@@ -6966,7 +6946,32 @@
                 <a:latin typeface="Century Gothic"/>
                 <a:ea typeface="DejaVu Sans"/>
               </a:rPr>
-              <a:t>	return</a:t>
+              <a:t>	</a:t>
+            </a:r>
+          </a:p>
+          <a:p>
+            <a:pPr>
+              <a:buNone/>
+            </a:pPr>
+            <a:r>
+              <a:rPr lang="en-US" sz="2800" b="1" spc="-1" dirty="0">
+                <a:solidFill>
+                  <a:srgbClr val="000000"/>
+                </a:solidFill>
+                <a:latin typeface="Century Gothic"/>
+                <a:ea typeface="DejaVu Sans"/>
+              </a:rPr>
+              <a:t>	</a:t>
+            </a:r>
+            <a:r>
+              <a:rPr lang="en-US" sz="2800" b="1" strike="noStrike" spc="-1" dirty="0">
+                <a:solidFill>
+                  <a:srgbClr val="000000"/>
+                </a:solidFill>
+                <a:latin typeface="Century Gothic"/>
+                <a:ea typeface="DejaVu Sans"/>
+              </a:rPr>
+              <a:t>return</a:t>
             </a:r>
             <a:r>
               <a:rPr lang="en-US" sz="2800" b="0" strike="noStrike" spc="-1" dirty="0">
@@ -6998,6 +7003,314 @@
             </a:r>
             <a:endParaRPr lang="en-IN" sz="2800" b="0" strike="noStrike" spc="-1" dirty="0">
               <a:latin typeface="Arial"/>
+            </a:endParaRPr>
+          </a:p>
+        </p:txBody>
+      </p:sp>
+      <p:sp>
+        <p:nvSpPr>
+          <p:cNvPr id="3" name="TextBox 2">
+            <a:extLst>
+              <a:ext uri="{FF2B5EF4-FFF2-40B4-BE49-F238E27FC236}">
+                <a16:creationId xmlns:a16="http://schemas.microsoft.com/office/drawing/2014/main" id="{4A3ADD13-9420-BDD2-92C3-208F1B293505}"/>
+              </a:ext>
+            </a:extLst>
+          </p:cNvPr>
+          <p:cNvSpPr txBox="1"/>
+          <p:nvPr/>
+        </p:nvSpPr>
+        <p:spPr>
+          <a:xfrm>
+            <a:off x="4756727" y="2623127"/>
+            <a:ext cx="5578763" cy="400110"/>
+          </a:xfrm>
+          <a:prstGeom prst="rect">
+            <a:avLst/>
+          </a:prstGeom>
+          <a:noFill/>
+        </p:spPr>
+        <p:txBody>
+          <a:bodyPr wrap="square" rtlCol="0">
+            <a:spAutoFit/>
+          </a:bodyPr>
+          <a:lstStyle/>
+          <a:p>
+            <a:r>
+              <a:rPr lang="en-US" sz="2000" dirty="0">
+                <a:solidFill>
+                  <a:srgbClr val="FF0000"/>
+                </a:solidFill>
+              </a:rPr>
+              <a:t>// standard input output header file </a:t>
+            </a:r>
+            <a:endParaRPr lang="en-IN" sz="2000" dirty="0">
+              <a:solidFill>
+                <a:srgbClr val="FF0000"/>
+              </a:solidFill>
+            </a:endParaRPr>
+          </a:p>
+        </p:txBody>
+      </p:sp>
+      <p:sp>
+        <p:nvSpPr>
+          <p:cNvPr id="4" name="TextBox 3">
+            <a:extLst>
+              <a:ext uri="{FF2B5EF4-FFF2-40B4-BE49-F238E27FC236}">
+                <a16:creationId xmlns:a16="http://schemas.microsoft.com/office/drawing/2014/main" id="{B1A16208-2B1C-2F39-D2CD-7B67B305E278}"/>
+              </a:ext>
+            </a:extLst>
+          </p:cNvPr>
+          <p:cNvSpPr txBox="1"/>
+          <p:nvPr/>
+        </p:nvSpPr>
+        <p:spPr>
+          <a:xfrm>
+            <a:off x="3158836" y="3081633"/>
+            <a:ext cx="7407564" cy="369332"/>
+          </a:xfrm>
+          <a:prstGeom prst="rect">
+            <a:avLst/>
+          </a:prstGeom>
+          <a:noFill/>
+        </p:spPr>
+        <p:txBody>
+          <a:bodyPr wrap="square" rtlCol="0">
+            <a:spAutoFit/>
+          </a:bodyPr>
+          <a:lstStyle/>
+          <a:p>
+            <a:r>
+              <a:rPr lang="en-US" dirty="0">
+                <a:solidFill>
+                  <a:srgbClr val="FF0000"/>
+                </a:solidFill>
+              </a:rPr>
+              <a:t>// Starting point of a program</a:t>
+            </a:r>
+            <a:endParaRPr lang="en-IN" dirty="0">
+              <a:solidFill>
+                <a:srgbClr val="FF0000"/>
+              </a:solidFill>
+            </a:endParaRPr>
+          </a:p>
+        </p:txBody>
+      </p:sp>
+      <p:sp>
+        <p:nvSpPr>
+          <p:cNvPr id="5" name="TextBox 4">
+            <a:extLst>
+              <a:ext uri="{FF2B5EF4-FFF2-40B4-BE49-F238E27FC236}">
+                <a16:creationId xmlns:a16="http://schemas.microsoft.com/office/drawing/2014/main" id="{E45CB020-D8ED-5F3B-2CB9-DCB8A3100379}"/>
+              </a:ext>
+            </a:extLst>
+          </p:cNvPr>
+          <p:cNvSpPr txBox="1"/>
+          <p:nvPr/>
+        </p:nvSpPr>
+        <p:spPr>
+          <a:xfrm>
+            <a:off x="1574800" y="3521543"/>
+            <a:ext cx="5029200" cy="369332"/>
+          </a:xfrm>
+          <a:prstGeom prst="rect">
+            <a:avLst/>
+          </a:prstGeom>
+          <a:noFill/>
+        </p:spPr>
+        <p:txBody>
+          <a:bodyPr wrap="square" rtlCol="0">
+            <a:spAutoFit/>
+          </a:bodyPr>
+          <a:lstStyle/>
+          <a:p>
+            <a:r>
+              <a:rPr lang="en-US" dirty="0">
+                <a:solidFill>
+                  <a:srgbClr val="FF0000"/>
+                </a:solidFill>
+              </a:rPr>
+              <a:t>// Starting body of main</a:t>
+            </a:r>
+            <a:endParaRPr lang="en-IN" dirty="0">
+              <a:solidFill>
+                <a:srgbClr val="FF0000"/>
+              </a:solidFill>
+            </a:endParaRPr>
+          </a:p>
+        </p:txBody>
+      </p:sp>
+      <p:sp>
+        <p:nvSpPr>
+          <p:cNvPr id="6" name="TextBox 5">
+            <a:extLst>
+              <a:ext uri="{FF2B5EF4-FFF2-40B4-BE49-F238E27FC236}">
+                <a16:creationId xmlns:a16="http://schemas.microsoft.com/office/drawing/2014/main" id="{60F0FEF4-79BD-A51F-E19C-9AA4BB48B148}"/>
+              </a:ext>
+            </a:extLst>
+          </p:cNvPr>
+          <p:cNvSpPr txBox="1"/>
+          <p:nvPr/>
+        </p:nvSpPr>
+        <p:spPr>
+          <a:xfrm>
+            <a:off x="1443181" y="5248435"/>
+            <a:ext cx="3431309" cy="369332"/>
+          </a:xfrm>
+          <a:prstGeom prst="rect">
+            <a:avLst/>
+          </a:prstGeom>
+          <a:noFill/>
+        </p:spPr>
+        <p:txBody>
+          <a:bodyPr wrap="square" rtlCol="0">
+            <a:spAutoFit/>
+          </a:bodyPr>
+          <a:lstStyle/>
+          <a:p>
+            <a:r>
+              <a:rPr lang="en-US" dirty="0">
+                <a:solidFill>
+                  <a:srgbClr val="FF0000"/>
+                </a:solidFill>
+              </a:rPr>
+              <a:t>// Ending of body</a:t>
+            </a:r>
+            <a:endParaRPr lang="en-IN" dirty="0">
+              <a:solidFill>
+                <a:srgbClr val="FF0000"/>
+              </a:solidFill>
+            </a:endParaRPr>
+          </a:p>
+        </p:txBody>
+      </p:sp>
+      <p:sp>
+        <p:nvSpPr>
+          <p:cNvPr id="7" name="TextBox 6">
+            <a:extLst>
+              <a:ext uri="{FF2B5EF4-FFF2-40B4-BE49-F238E27FC236}">
+                <a16:creationId xmlns:a16="http://schemas.microsoft.com/office/drawing/2014/main" id="{9531051A-F3AE-3C58-1ADA-8F30E377262E}"/>
+              </a:ext>
+            </a:extLst>
+          </p:cNvPr>
+          <p:cNvSpPr txBox="1"/>
+          <p:nvPr/>
+        </p:nvSpPr>
+        <p:spPr>
+          <a:xfrm>
+            <a:off x="7402944" y="3988555"/>
+            <a:ext cx="3080329" cy="369332"/>
+          </a:xfrm>
+          <a:prstGeom prst="rect">
+            <a:avLst/>
+          </a:prstGeom>
+          <a:noFill/>
+        </p:spPr>
+        <p:txBody>
+          <a:bodyPr wrap="square" rtlCol="0">
+            <a:spAutoFit/>
+          </a:bodyPr>
+          <a:lstStyle/>
+          <a:p>
+            <a:r>
+              <a:rPr lang="en-US" dirty="0">
+                <a:solidFill>
+                  <a:srgbClr val="FF0000"/>
+                </a:solidFill>
+              </a:rPr>
+              <a:t>// Printing output on console</a:t>
+            </a:r>
+            <a:endParaRPr lang="en-IN" dirty="0">
+              <a:solidFill>
+                <a:srgbClr val="FF0000"/>
+              </a:solidFill>
+            </a:endParaRPr>
+          </a:p>
+        </p:txBody>
+      </p:sp>
+      <p:sp>
+        <p:nvSpPr>
+          <p:cNvPr id="8" name="TextBox 7">
+            <a:extLst>
+              <a:ext uri="{FF2B5EF4-FFF2-40B4-BE49-F238E27FC236}">
+                <a16:creationId xmlns:a16="http://schemas.microsoft.com/office/drawing/2014/main" id="{B5347C1B-45B8-7F86-B0D9-731E60806FDE}"/>
+              </a:ext>
+            </a:extLst>
+          </p:cNvPr>
+          <p:cNvSpPr txBox="1"/>
+          <p:nvPr/>
+        </p:nvSpPr>
+        <p:spPr>
+          <a:xfrm>
+            <a:off x="1607126" y="4384989"/>
+            <a:ext cx="5795818" cy="369332"/>
+          </a:xfrm>
+          <a:prstGeom prst="rect">
+            <a:avLst/>
+          </a:prstGeom>
+          <a:noFill/>
+        </p:spPr>
+        <p:txBody>
+          <a:bodyPr wrap="square" rtlCol="0">
+            <a:spAutoFit/>
+          </a:bodyPr>
+          <a:lstStyle/>
+          <a:p>
+            <a:r>
+              <a:rPr lang="en-US" dirty="0">
+                <a:solidFill>
+                  <a:srgbClr val="FF0000"/>
+                </a:solidFill>
+              </a:rPr>
+              <a:t>// Semicolon(;) means end of line or statement(instruction)</a:t>
+            </a:r>
+            <a:endParaRPr lang="en-IN" dirty="0">
+              <a:solidFill>
+                <a:srgbClr val="FF0000"/>
+              </a:solidFill>
+            </a:endParaRPr>
+          </a:p>
+        </p:txBody>
+      </p:sp>
+      <p:sp>
+        <p:nvSpPr>
+          <p:cNvPr id="9" name="TextBox 8">
+            <a:extLst>
+              <a:ext uri="{FF2B5EF4-FFF2-40B4-BE49-F238E27FC236}">
+                <a16:creationId xmlns:a16="http://schemas.microsoft.com/office/drawing/2014/main" id="{E88177CE-C163-9E49-D48C-12B6D2EB924E}"/>
+              </a:ext>
+            </a:extLst>
+          </p:cNvPr>
+          <p:cNvSpPr txBox="1"/>
+          <p:nvPr/>
+        </p:nvSpPr>
+        <p:spPr>
+          <a:xfrm>
+            <a:off x="3394363" y="4838391"/>
+            <a:ext cx="3828473" cy="369332"/>
+          </a:xfrm>
+          <a:prstGeom prst="rect">
+            <a:avLst/>
+          </a:prstGeom>
+          <a:noFill/>
+        </p:spPr>
+        <p:txBody>
+          <a:bodyPr wrap="square" rtlCol="0">
+            <a:spAutoFit/>
+          </a:bodyPr>
+          <a:lstStyle/>
+          <a:p>
+            <a:r>
+              <a:rPr lang="en-US" dirty="0">
+                <a:solidFill>
+                  <a:srgbClr val="FF0000"/>
+                </a:solidFill>
+              </a:rPr>
+              <a:t>//Ending point of a program</a:t>
+            </a:r>
+            <a:endParaRPr lang="en-IN" dirty="0">
+              <a:solidFill>
+                <a:srgbClr val="FF0000"/>
+              </a:solidFill>
             </a:endParaRPr>
           </a:p>
         </p:txBody>
@@ -7015,6 +7328,360 @@
   <p:transition spd="slow">
     <p:cover/>
   </p:transition>
+  <p:timing>
+    <p:tnLst>
+      <p:par>
+        <p:cTn id="1" dur="indefinite" restart="never" nodeType="tmRoot">
+          <p:childTnLst>
+            <p:seq concurrent="1" nextAc="seek">
+              <p:cTn id="2" dur="indefinite" nodeType="mainSeq">
+                <p:childTnLst>
+                  <p:par>
+                    <p:cTn id="3" fill="hold">
+                      <p:stCondLst>
+                        <p:cond delay="indefinite"/>
+                      </p:stCondLst>
+                      <p:childTnLst>
+                        <p:par>
+                          <p:cTn id="4" fill="hold">
+                            <p:stCondLst>
+                              <p:cond delay="0"/>
+                            </p:stCondLst>
+                            <p:childTnLst>
+                              <p:par>
+                                <p:cTn id="5" presetID="1" presetClass="entr" presetSubtype="0" fill="hold" grpId="0" nodeType="clickEffect">
+                                  <p:stCondLst>
+                                    <p:cond delay="0"/>
+                                  </p:stCondLst>
+                                  <p:childTnLst>
+                                    <p:set>
+                                      <p:cBhvr>
+                                        <p:cTn id="6" dur="1" fill="hold">
+                                          <p:stCondLst>
+                                            <p:cond delay="0"/>
+                                          </p:stCondLst>
+                                        </p:cTn>
+                                        <p:tgtEl>
+                                          <p:spTgt spid="3"/>
+                                        </p:tgtEl>
+                                        <p:attrNameLst>
+                                          <p:attrName>style.visibility</p:attrName>
+                                        </p:attrNameLst>
+                                      </p:cBhvr>
+                                      <p:to>
+                                        <p:strVal val="visible"/>
+                                      </p:to>
+                                    </p:set>
+                                  </p:childTnLst>
+                                </p:cTn>
+                              </p:par>
+                            </p:childTnLst>
+                          </p:cTn>
+                        </p:par>
+                      </p:childTnLst>
+                    </p:cTn>
+                  </p:par>
+                  <p:par>
+                    <p:cTn id="7" fill="hold">
+                      <p:stCondLst>
+                        <p:cond delay="indefinite"/>
+                      </p:stCondLst>
+                      <p:childTnLst>
+                        <p:par>
+                          <p:cTn id="8" fill="hold">
+                            <p:stCondLst>
+                              <p:cond delay="0"/>
+                            </p:stCondLst>
+                            <p:childTnLst>
+                              <p:par>
+                                <p:cTn id="9" presetID="1" presetClass="entr" presetSubtype="0" fill="hold" grpId="0" nodeType="clickEffect">
+                                  <p:stCondLst>
+                                    <p:cond delay="0"/>
+                                  </p:stCondLst>
+                                  <p:childTnLst>
+                                    <p:set>
+                                      <p:cBhvr>
+                                        <p:cTn id="10" dur="1" fill="hold">
+                                          <p:stCondLst>
+                                            <p:cond delay="0"/>
+                                          </p:stCondLst>
+                                        </p:cTn>
+                                        <p:tgtEl>
+                                          <p:spTgt spid="4"/>
+                                        </p:tgtEl>
+                                        <p:attrNameLst>
+                                          <p:attrName>style.visibility</p:attrName>
+                                        </p:attrNameLst>
+                                      </p:cBhvr>
+                                      <p:to>
+                                        <p:strVal val="visible"/>
+                                      </p:to>
+                                    </p:set>
+                                  </p:childTnLst>
+                                </p:cTn>
+                              </p:par>
+                            </p:childTnLst>
+                          </p:cTn>
+                        </p:par>
+                      </p:childTnLst>
+                    </p:cTn>
+                  </p:par>
+                  <p:par>
+                    <p:cTn id="11" fill="hold">
+                      <p:stCondLst>
+                        <p:cond delay="indefinite"/>
+                      </p:stCondLst>
+                      <p:childTnLst>
+                        <p:par>
+                          <p:cTn id="12" fill="hold">
+                            <p:stCondLst>
+                              <p:cond delay="0"/>
+                            </p:stCondLst>
+                            <p:childTnLst>
+                              <p:par>
+                                <p:cTn id="13" presetID="1" presetClass="entr" presetSubtype="0" fill="hold" grpId="0" nodeType="clickEffect">
+                                  <p:stCondLst>
+                                    <p:cond delay="0"/>
+                                  </p:stCondLst>
+                                  <p:childTnLst>
+                                    <p:set>
+                                      <p:cBhvr>
+                                        <p:cTn id="14" dur="1" fill="hold">
+                                          <p:stCondLst>
+                                            <p:cond delay="0"/>
+                                          </p:stCondLst>
+                                        </p:cTn>
+                                        <p:tgtEl>
+                                          <p:spTgt spid="5"/>
+                                        </p:tgtEl>
+                                        <p:attrNameLst>
+                                          <p:attrName>style.visibility</p:attrName>
+                                        </p:attrNameLst>
+                                      </p:cBhvr>
+                                      <p:to>
+                                        <p:strVal val="visible"/>
+                                      </p:to>
+                                    </p:set>
+                                  </p:childTnLst>
+                                </p:cTn>
+                              </p:par>
+                            </p:childTnLst>
+                          </p:cTn>
+                        </p:par>
+                      </p:childTnLst>
+                    </p:cTn>
+                  </p:par>
+                  <p:par>
+                    <p:cTn id="15" fill="hold">
+                      <p:stCondLst>
+                        <p:cond delay="indefinite"/>
+                      </p:stCondLst>
+                      <p:childTnLst>
+                        <p:par>
+                          <p:cTn id="16" fill="hold">
+                            <p:stCondLst>
+                              <p:cond delay="0"/>
+                            </p:stCondLst>
+                            <p:childTnLst>
+                              <p:par>
+                                <p:cTn id="17" presetID="1" presetClass="entr" presetSubtype="0" fill="hold" grpId="0" nodeType="clickEffect">
+                                  <p:stCondLst>
+                                    <p:cond delay="0"/>
+                                  </p:stCondLst>
+                                  <p:childTnLst>
+                                    <p:set>
+                                      <p:cBhvr>
+                                        <p:cTn id="18" dur="1" fill="hold">
+                                          <p:stCondLst>
+                                            <p:cond delay="0"/>
+                                          </p:stCondLst>
+                                        </p:cTn>
+                                        <p:tgtEl>
+                                          <p:spTgt spid="7"/>
+                                        </p:tgtEl>
+                                        <p:attrNameLst>
+                                          <p:attrName>style.visibility</p:attrName>
+                                        </p:attrNameLst>
+                                      </p:cBhvr>
+                                      <p:to>
+                                        <p:strVal val="visible"/>
+                                      </p:to>
+                                    </p:set>
+                                  </p:childTnLst>
+                                </p:cTn>
+                              </p:par>
+                            </p:childTnLst>
+                          </p:cTn>
+                        </p:par>
+                      </p:childTnLst>
+                    </p:cTn>
+                  </p:par>
+                  <p:par>
+                    <p:cTn id="19" fill="hold">
+                      <p:stCondLst>
+                        <p:cond delay="indefinite"/>
+                      </p:stCondLst>
+                      <p:childTnLst>
+                        <p:par>
+                          <p:cTn id="20" fill="hold">
+                            <p:stCondLst>
+                              <p:cond delay="0"/>
+                            </p:stCondLst>
+                            <p:childTnLst>
+                              <p:par>
+                                <p:cTn id="21" presetID="1" presetClass="entr" presetSubtype="0" fill="hold" grpId="0" nodeType="clickEffect">
+                                  <p:stCondLst>
+                                    <p:cond delay="0"/>
+                                  </p:stCondLst>
+                                  <p:childTnLst>
+                                    <p:set>
+                                      <p:cBhvr>
+                                        <p:cTn id="22" dur="1" fill="hold">
+                                          <p:stCondLst>
+                                            <p:cond delay="0"/>
+                                          </p:stCondLst>
+                                        </p:cTn>
+                                        <p:tgtEl>
+                                          <p:spTgt spid="8"/>
+                                        </p:tgtEl>
+                                        <p:attrNameLst>
+                                          <p:attrName>style.visibility</p:attrName>
+                                        </p:attrNameLst>
+                                      </p:cBhvr>
+                                      <p:to>
+                                        <p:strVal val="visible"/>
+                                      </p:to>
+                                    </p:set>
+                                  </p:childTnLst>
+                                </p:cTn>
+                              </p:par>
+                            </p:childTnLst>
+                          </p:cTn>
+                        </p:par>
+                      </p:childTnLst>
+                    </p:cTn>
+                  </p:par>
+                  <p:par>
+                    <p:cTn id="23" fill="hold">
+                      <p:stCondLst>
+                        <p:cond delay="indefinite"/>
+                      </p:stCondLst>
+                      <p:childTnLst>
+                        <p:par>
+                          <p:cTn id="24" fill="hold">
+                            <p:stCondLst>
+                              <p:cond delay="0"/>
+                            </p:stCondLst>
+                            <p:childTnLst>
+                              <p:par>
+                                <p:cTn id="25" presetID="1" presetClass="entr" presetSubtype="0" fill="hold" grpId="0" nodeType="clickEffect">
+                                  <p:stCondLst>
+                                    <p:cond delay="0"/>
+                                  </p:stCondLst>
+                                  <p:childTnLst>
+                                    <p:set>
+                                      <p:cBhvr>
+                                        <p:cTn id="26" dur="1" fill="hold">
+                                          <p:stCondLst>
+                                            <p:cond delay="0"/>
+                                          </p:stCondLst>
+                                        </p:cTn>
+                                        <p:tgtEl>
+                                          <p:spTgt spid="6"/>
+                                        </p:tgtEl>
+                                        <p:attrNameLst>
+                                          <p:attrName>style.visibility</p:attrName>
+                                        </p:attrNameLst>
+                                      </p:cBhvr>
+                                      <p:to>
+                                        <p:strVal val="visible"/>
+                                      </p:to>
+                                    </p:set>
+                                  </p:childTnLst>
+                                </p:cTn>
+                              </p:par>
+                            </p:childTnLst>
+                          </p:cTn>
+                        </p:par>
+                      </p:childTnLst>
+                    </p:cTn>
+                  </p:par>
+                  <p:par>
+                    <p:cTn id="27" fill="hold">
+                      <p:stCondLst>
+                        <p:cond delay="indefinite"/>
+                      </p:stCondLst>
+                      <p:childTnLst>
+                        <p:par>
+                          <p:cTn id="28" fill="hold">
+                            <p:stCondLst>
+                              <p:cond delay="0"/>
+                            </p:stCondLst>
+                            <p:childTnLst>
+                              <p:par>
+                                <p:cTn id="29" presetID="1" presetClass="entr" presetSubtype="0" fill="hold" grpId="0" nodeType="clickEffect">
+                                  <p:stCondLst>
+                                    <p:cond delay="0"/>
+                                  </p:stCondLst>
+                                  <p:childTnLst>
+                                    <p:set>
+                                      <p:cBhvr>
+                                        <p:cTn id="30" dur="1" fill="hold">
+                                          <p:stCondLst>
+                                            <p:cond delay="0"/>
+                                          </p:stCondLst>
+                                        </p:cTn>
+                                        <p:tgtEl>
+                                          <p:spTgt spid="9"/>
+                                        </p:tgtEl>
+                                        <p:attrNameLst>
+                                          <p:attrName>style.visibility</p:attrName>
+                                        </p:attrNameLst>
+                                      </p:cBhvr>
+                                      <p:to>
+                                        <p:strVal val="visible"/>
+                                      </p:to>
+                                    </p:set>
+                                  </p:childTnLst>
+                                </p:cTn>
+                              </p:par>
+                            </p:childTnLst>
+                          </p:cTn>
+                        </p:par>
+                      </p:childTnLst>
+                    </p:cTn>
+                  </p:par>
+                </p:childTnLst>
+              </p:cTn>
+              <p:prevCondLst>
+                <p:cond evt="onPrev" delay="0">
+                  <p:tgtEl>
+                    <p:sldTgt/>
+                  </p:tgtEl>
+                </p:cond>
+              </p:prevCondLst>
+              <p:nextCondLst>
+                <p:cond evt="onNext" delay="0">
+                  <p:tgtEl>
+                    <p:sldTgt/>
+                  </p:tgtEl>
+                </p:cond>
+              </p:nextCondLst>
+            </p:seq>
+          </p:childTnLst>
+        </p:cTn>
+      </p:par>
+    </p:tnLst>
+    <p:bldLst>
+      <p:bldP spid="3" grpId="0"/>
+      <p:bldP spid="4" grpId="0"/>
+      <p:bldP spid="5" grpId="0"/>
+      <p:bldP spid="6" grpId="0"/>
+      <p:bldP spid="7" grpId="0"/>
+      <p:bldP spid="8" grpId="0"/>
+      <p:bldP spid="9" grpId="0"/>
+    </p:bldLst>
+  </p:timing>
 </p:sld>
 </file>
 
@@ -20540,21 +21207,21 @@
 </file>
 
 <file path=customXml/item1.xml><?xml version="1.0" encoding="utf-8"?>
+<?mso-contentType ?>
+<FormTemplates xmlns="http://schemas.microsoft.com/sharepoint/v3/contenttype/forms">
+  <Display>DocumentLibraryForm</Display>
+  <Edit>DocumentLibraryForm</Edit>
+  <New>DocumentLibraryForm</New>
+</FormTemplates>
+</file>
+
+<file path=customXml/item2.xml><?xml version="1.0" encoding="utf-8"?>
 <p:properties xmlns:p="http://schemas.microsoft.com/office/2006/metadata/properties" xmlns:xsi="http://www.w3.org/2001/XMLSchema-instance" xmlns:pc="http://schemas.microsoft.com/office/infopath/2007/PartnerControls">
   <documentManagement>
     <MediaServiceKeyPoints xmlns="71af3243-3dd4-4a8d-8c0d-dd76da1f02a5" xsi:nil="true"/>
     <Status xmlns="71af3243-3dd4-4a8d-8c0d-dd76da1f02a5">In Progress</Status>
   </documentManagement>
 </p:properties>
-</file>
-
-<file path=customXml/item2.xml><?xml version="1.0" encoding="utf-8"?>
-<?mso-contentType ?>
-<FormTemplates xmlns="http://schemas.microsoft.com/sharepoint/v3/contenttype/forms">
-  <Display>DocumentLibraryForm</Display>
-  <Edit>DocumentLibraryForm</Edit>
-  <New>DocumentLibraryForm</New>
-</FormTemplates>
 </file>
 
 <file path=customXml/item3.xml><?xml version="1.0" encoding="utf-8"?>
@@ -20779,19 +21446,19 @@
 </file>
 
 <file path=customXml/itemProps1.xml><?xml version="1.0" encoding="utf-8"?>
+<ds:datastoreItem xmlns:ds="http://schemas.openxmlformats.org/officeDocument/2006/customXml" ds:itemID="{E3FC8A1C-A436-42C0-AC33-FAFFFAF219BC}">
+  <ds:schemaRefs>
+    <ds:schemaRef ds:uri="http://schemas.microsoft.com/sharepoint/v3/contenttype/forms"/>
+  </ds:schemaRefs>
+</ds:datastoreItem>
+</file>
+
+<file path=customXml/itemProps2.xml><?xml version="1.0" encoding="utf-8"?>
 <ds:datastoreItem xmlns:ds="http://schemas.openxmlformats.org/officeDocument/2006/customXml" ds:itemID="{FF5C8BF1-B0E4-49A1-808F-40F2AD30E743}">
   <ds:schemaRefs>
     <ds:schemaRef ds:uri="http://schemas.microsoft.com/office/2006/metadata/properties"/>
     <ds:schemaRef ds:uri="http://schemas.microsoft.com/office/infopath/2007/PartnerControls"/>
     <ds:schemaRef ds:uri="71af3243-3dd4-4a8d-8c0d-dd76da1f02a5"/>
-  </ds:schemaRefs>
-</ds:datastoreItem>
-</file>
-
-<file path=customXml/itemProps2.xml><?xml version="1.0" encoding="utf-8"?>
-<ds:datastoreItem xmlns:ds="http://schemas.openxmlformats.org/officeDocument/2006/customXml" ds:itemID="{E3FC8A1C-A436-42C0-AC33-FAFFFAF219BC}">
-  <ds:schemaRefs>
-    <ds:schemaRef ds:uri="http://schemas.microsoft.com/sharepoint/v3/contenttype/forms"/>
   </ds:schemaRefs>
 </ds:datastoreItem>
 </file>

--- a/01-Introduction_to_C/Notes/C Programming.pptx
+++ b/01-Introduction_to_C/Notes/C Programming.pptx
@@ -231,7 +231,7 @@
           <a:p>
             <a:fld id="{4929A4FD-FAFB-4CDA-9DC5-D20CA18269A9}" type="datetimeFigureOut">
               <a:rPr lang="en-US" smtClean="0"/>
-              <a:t>4/8/2023</a:t>
+              <a:t>8/19/2023</a:t>
             </a:fld>
             <a:endParaRPr lang="en-US" dirty="0"/>
           </a:p>
@@ -408,7 +408,7 @@
           <a:p>
             <a:fld id="{CB91E35E-F34C-4F0E-B8A1-D9F5F49CB3AD}" type="datetimeFigureOut">
               <a:rPr lang="en-US" smtClean="0"/>
-              <a:t>4/8/2023</a:t>
+              <a:t>8/19/2023</a:t>
             </a:fld>
             <a:endParaRPr lang="en-US" dirty="0"/>
           </a:p>
@@ -1089,7 +1089,7 @@
             <a:fld id="{B61BEF0D-F0BB-DE4B-95CE-6DB70DBA9567}" type="datetimeFigureOut">
               <a:rPr lang="en-US" smtClean="0"/>
               <a:pPr/>
-              <a:t>4/8/2023</a:t>
+              <a:t>8/19/2023</a:t>
             </a:fld>
             <a:endParaRPr lang="en-US" dirty="0"/>
           </a:p>
@@ -1356,7 +1356,7 @@
             <a:fld id="{B61BEF0D-F0BB-DE4B-95CE-6DB70DBA9567}" type="datetimeFigureOut">
               <a:rPr lang="en-US" smtClean="0"/>
               <a:pPr/>
-              <a:t>4/8/2023</a:t>
+              <a:t>8/19/2023</a:t>
             </a:fld>
             <a:endParaRPr lang="en-US" dirty="0"/>
           </a:p>
@@ -1596,7 +1596,7 @@
             <a:fld id="{B61BEF0D-F0BB-DE4B-95CE-6DB70DBA9567}" type="datetimeFigureOut">
               <a:rPr lang="en-US" smtClean="0"/>
               <a:pPr/>
-              <a:t>4/8/2023</a:t>
+              <a:t>8/19/2023</a:t>
             </a:fld>
             <a:endParaRPr lang="en-US" dirty="0"/>
           </a:p>
@@ -1841,7 +1841,7 @@
             <a:fld id="{B61BEF0D-F0BB-DE4B-95CE-6DB70DBA9567}" type="datetimeFigureOut">
               <a:rPr lang="en-US" smtClean="0"/>
               <a:pPr/>
-              <a:t>4/8/2023</a:t>
+              <a:t>8/19/2023</a:t>
             </a:fld>
             <a:endParaRPr lang="en-US" dirty="0"/>
           </a:p>
@@ -2153,7 +2153,7 @@
             <a:fld id="{B61BEF0D-F0BB-DE4B-95CE-6DB70DBA9567}" type="datetimeFigureOut">
               <a:rPr lang="en-US" smtClean="0"/>
               <a:pPr/>
-              <a:t>4/8/2023</a:t>
+              <a:t>8/19/2023</a:t>
             </a:fld>
             <a:endParaRPr lang="en-US" dirty="0"/>
           </a:p>
@@ -2460,7 +2460,7 @@
             <a:fld id="{B61BEF0D-F0BB-DE4B-95CE-6DB70DBA9567}" type="datetimeFigureOut">
               <a:rPr lang="en-US" smtClean="0"/>
               <a:pPr/>
-              <a:t>4/8/2023</a:t>
+              <a:t>8/19/2023</a:t>
             </a:fld>
             <a:endParaRPr lang="en-US" dirty="0"/>
           </a:p>
@@ -2887,7 +2887,7 @@
             <a:fld id="{B61BEF0D-F0BB-DE4B-95CE-6DB70DBA9567}" type="datetimeFigureOut">
               <a:rPr lang="en-US" smtClean="0"/>
               <a:pPr/>
-              <a:t>4/8/2023</a:t>
+              <a:t>8/19/2023</a:t>
             </a:fld>
             <a:endParaRPr lang="en-US" dirty="0"/>
           </a:p>
@@ -2987,7 +2987,7 @@
             <a:fld id="{B61BEF0D-F0BB-DE4B-95CE-6DB70DBA9567}" type="datetimeFigureOut">
               <a:rPr lang="en-US" smtClean="0"/>
               <a:pPr/>
-              <a:t>4/8/2023</a:t>
+              <a:t>8/19/2023</a:t>
             </a:fld>
             <a:endParaRPr lang="en-US" dirty="0"/>
           </a:p>
@@ -3154,7 +3154,7 @@
             <a:fld id="{B61BEF0D-F0BB-DE4B-95CE-6DB70DBA9567}" type="datetimeFigureOut">
               <a:rPr lang="en-US" smtClean="0"/>
               <a:pPr/>
-              <a:t>4/8/2023</a:t>
+              <a:t>8/19/2023</a:t>
             </a:fld>
             <a:endParaRPr lang="en-US" dirty="0"/>
           </a:p>
@@ -3537,7 +3537,7 @@
             <a:fld id="{B61BEF0D-F0BB-DE4B-95CE-6DB70DBA9567}" type="datetimeFigureOut">
               <a:rPr lang="en-US" smtClean="0"/>
               <a:pPr/>
-              <a:t>4/8/2023</a:t>
+              <a:t>8/19/2023</a:t>
             </a:fld>
             <a:endParaRPr lang="en-US" dirty="0"/>
           </a:p>
@@ -3831,7 +3831,7 @@
             <a:fld id="{B61BEF0D-F0BB-DE4B-95CE-6DB70DBA9567}" type="datetimeFigureOut">
               <a:rPr lang="en-US" smtClean="0"/>
               <a:pPr/>
-              <a:t>4/8/2023</a:t>
+              <a:t>8/19/2023</a:t>
             </a:fld>
             <a:endParaRPr lang="en-US" dirty="0"/>
           </a:p>
@@ -4047,7 +4047,7 @@
             <a:fld id="{B61BEF0D-F0BB-DE4B-95CE-6DB70DBA9567}" type="datetimeFigureOut">
               <a:rPr lang="en-US" smtClean="0"/>
               <a:pPr/>
-              <a:t>4/8/2023</a:t>
+              <a:t>8/19/2023</a:t>
             </a:fld>
             <a:endParaRPr lang="en-US" dirty="0"/>
           </a:p>
@@ -4837,6 +4837,13 @@
               <a:schemeClr val="lt1"/>
             </a:fontRef>
           </p:style>
+          <p:txBody>
+            <a:bodyPr/>
+            <a:lstStyle/>
+            <a:p>
+              <a:endParaRPr lang="en-IN"/>
+            </a:p>
+          </p:txBody>
         </p:sp>
         <p:sp>
           <p:nvSpPr>
@@ -4889,6 +4896,13 @@
               <a:schemeClr val="lt1"/>
             </a:fontRef>
           </p:style>
+          <p:txBody>
+            <a:bodyPr/>
+            <a:lstStyle/>
+            <a:p>
+              <a:endParaRPr lang="en-IN"/>
+            </a:p>
+          </p:txBody>
         </p:sp>
         <p:sp>
           <p:nvSpPr>
@@ -4941,6 +4955,13 @@
               <a:schemeClr val="lt1"/>
             </a:fontRef>
           </p:style>
+          <p:txBody>
+            <a:bodyPr/>
+            <a:lstStyle/>
+            <a:p>
+              <a:endParaRPr lang="en-IN"/>
+            </a:p>
+          </p:txBody>
         </p:sp>
       </p:grpSp>
       <p:sp>
@@ -4998,6 +5019,13 @@
             <a:schemeClr val="lt1"/>
           </a:fontRef>
         </p:style>
+        <p:txBody>
+          <a:bodyPr/>
+          <a:lstStyle/>
+          <a:p>
+            <a:endParaRPr lang="en-IN"/>
+          </a:p>
+        </p:txBody>
       </p:sp>
       <p:sp>
         <p:nvSpPr>
@@ -17729,6 +17757,13 @@
             <a:schemeClr val="lt1"/>
           </a:fontRef>
         </p:style>
+        <p:txBody>
+          <a:bodyPr/>
+          <a:lstStyle/>
+          <a:p>
+            <a:endParaRPr lang="en-IN"/>
+          </a:p>
+        </p:txBody>
       </p:sp>
       <p:sp>
         <p:nvSpPr>
@@ -17904,6 +17939,13 @@
               <a:schemeClr val="lt1"/>
             </a:fontRef>
           </p:style>
+          <p:txBody>
+            <a:bodyPr/>
+            <a:lstStyle/>
+            <a:p>
+              <a:endParaRPr lang="en-IN"/>
+            </a:p>
+          </p:txBody>
         </p:sp>
         <p:sp>
           <p:nvSpPr>
@@ -17956,6 +17998,13 @@
               <a:schemeClr val="lt1"/>
             </a:fontRef>
           </p:style>
+          <p:txBody>
+            <a:bodyPr/>
+            <a:lstStyle/>
+            <a:p>
+              <a:endParaRPr lang="en-IN"/>
+            </a:p>
+          </p:txBody>
         </p:sp>
         <p:sp>
           <p:nvSpPr>
@@ -18008,6 +18057,13 @@
               <a:schemeClr val="lt1"/>
             </a:fontRef>
           </p:style>
+          <p:txBody>
+            <a:bodyPr/>
+            <a:lstStyle/>
+            <a:p>
+              <a:endParaRPr lang="en-IN"/>
+            </a:p>
+          </p:txBody>
         </p:sp>
       </p:grpSp>
     </p:spTree>
@@ -18076,15 +18132,7 @@
           <a:p>
             <a:r>
               <a:rPr lang="en-US" dirty="0"/>
-              <a:t>A programming language is a set of instructions that can be used to interact with and control a computer. These languages are used to design websites, create apps, develop operating systems, control spacecraft, and analyze data. Programming languages are necessary because computers can't understand </a:t>
-            </a:r>
-            <a:r>
-              <a:rPr lang="en-US" dirty="0" err="1"/>
-              <a:t>Engish</a:t>
-            </a:r>
-            <a:r>
-              <a:rPr lang="en-US" dirty="0"/>
-              <a:t>. Programming languages bridge this gap by helping programmers translate their commands into something that the computer can understand and execute. </a:t>
+              <a:t>A programming language is a set of instructions that can be used to interact with and control a computer. These languages are used to design websites, create apps, develop operating systems, control spacecraft, and analyze data. Programming languages are necessary because computers can't understand English. Programming languages bridge this gap by helping programmers translate their commands into something that the computer can understand and execute. </a:t>
             </a:r>
           </a:p>
         </p:txBody>
@@ -18543,7 +18591,7 @@
             <p:ph idx="1"/>
             <p:extLst>
               <p:ext uri="{D42A27DB-BD31-4B8C-83A1-F6EECF244321}">
-                <p14:modId xmlns:p14="http://schemas.microsoft.com/office/powerpoint/2010/main" val="3765313163"/>
+                <p14:modId xmlns:p14="http://schemas.microsoft.com/office/powerpoint/2010/main" val="3939582127"/>
               </p:ext>
             </p:extLst>
           </p:nvPr>
@@ -18828,7 +18876,7 @@
                         <a:rPr lang="en-US" sz="2400" dirty="0">
                           <a:effectLst/>
                         </a:rPr>
-                        <a:t>It contains 50% features of low level and 50% Features  of high level.</a:t>
+                        <a:t>It is machine independent and it contains 50% features of low level and 50% Features  of high level.</a:t>
                       </a:r>
                       <a:endParaRPr lang="en-IN" sz="2400" dirty="0">
                         <a:effectLst/>
@@ -18920,7 +18968,19 @@
                         <a:rPr lang="en-US" sz="2000" dirty="0">
                           <a:effectLst/>
                         </a:rPr>
-                        <a:t>They are machine independent and they Follows another methodology like OOPs (object oriented programming ).</a:t>
+                        <a:t>They are platform (</a:t>
+                      </a:r>
+                      <a:r>
+                        <a:rPr lang="en-US" sz="2000" dirty="0" err="1">
+                          <a:effectLst/>
+                        </a:rPr>
+                        <a:t>hardware+software</a:t>
+                      </a:r>
+                      <a:r>
+                        <a:rPr lang="en-US" sz="2000" dirty="0">
+                          <a:effectLst/>
+                        </a:rPr>
+                        <a:t>) independent and they Follows another methodology like OOPs (object oriented programming ).</a:t>
                       </a:r>
                       <a:endParaRPr lang="en-IN" sz="2000" dirty="0">
                         <a:effectLst/>
@@ -18964,7 +19024,19 @@
                         <a:rPr lang="en-US" sz="2000" dirty="0">
                           <a:effectLst/>
                         </a:rPr>
-                        <a:t>. Java ,python C#  </a:t>
+                        <a:t>. Java ,</a:t>
+                      </a:r>
+                      <a:r>
+                        <a:rPr lang="en-US" sz="2000" dirty="0" err="1">
+                          <a:effectLst/>
+                        </a:rPr>
+                        <a:t>python,C</a:t>
+                      </a:r>
+                      <a:r>
+                        <a:rPr lang="en-US" sz="2000" dirty="0">
+                          <a:effectLst/>
+                        </a:rPr>
+                        <a:t>#  </a:t>
                       </a:r>
                       <a:r>
                         <a:rPr lang="en-US" sz="2000" dirty="0" err="1">
@@ -19134,7 +19206,7 @@
                 <a:latin typeface="Century Gothic"/>
                 <a:ea typeface="DejaVu Sans"/>
               </a:rPr>
-              <a:t> was developed in 1972 by Dennis Ritchie at bell laboratories of AT&amp;T (American Telephone &amp; Telegraph), located in the U.S.A.</a:t>
+              <a:t> was developed in 1971 by Dennis Ritchie at bell laboratories of AT&amp;T (American Telephone &amp; Telegraph), located in the U.S.A.</a:t>
             </a:r>
             <a:endParaRPr lang="en-IN" sz="1800" b="0" strike="noStrike" spc="-1" dirty="0">
               <a:latin typeface="Arial"/>
@@ -21207,21 +21279,21 @@
 </file>
 
 <file path=customXml/item1.xml><?xml version="1.0" encoding="utf-8"?>
+<p:properties xmlns:p="http://schemas.microsoft.com/office/2006/metadata/properties" xmlns:xsi="http://www.w3.org/2001/XMLSchema-instance" xmlns:pc="http://schemas.microsoft.com/office/infopath/2007/PartnerControls">
+  <documentManagement>
+    <MediaServiceKeyPoints xmlns="71af3243-3dd4-4a8d-8c0d-dd76da1f02a5" xsi:nil="true"/>
+    <Status xmlns="71af3243-3dd4-4a8d-8c0d-dd76da1f02a5">In Progress</Status>
+  </documentManagement>
+</p:properties>
+</file>
+
+<file path=customXml/item2.xml><?xml version="1.0" encoding="utf-8"?>
 <?mso-contentType ?>
 <FormTemplates xmlns="http://schemas.microsoft.com/sharepoint/v3/contenttype/forms">
   <Display>DocumentLibraryForm</Display>
   <Edit>DocumentLibraryForm</Edit>
   <New>DocumentLibraryForm</New>
 </FormTemplates>
-</file>
-
-<file path=customXml/item2.xml><?xml version="1.0" encoding="utf-8"?>
-<p:properties xmlns:p="http://schemas.microsoft.com/office/2006/metadata/properties" xmlns:xsi="http://www.w3.org/2001/XMLSchema-instance" xmlns:pc="http://schemas.microsoft.com/office/infopath/2007/PartnerControls">
-  <documentManagement>
-    <MediaServiceKeyPoints xmlns="71af3243-3dd4-4a8d-8c0d-dd76da1f02a5" xsi:nil="true"/>
-    <Status xmlns="71af3243-3dd4-4a8d-8c0d-dd76da1f02a5">In Progress</Status>
-  </documentManagement>
-</p:properties>
 </file>
 
 <file path=customXml/item3.xml><?xml version="1.0" encoding="utf-8"?>
@@ -21446,19 +21518,19 @@
 </file>
 
 <file path=customXml/itemProps1.xml><?xml version="1.0" encoding="utf-8"?>
-<ds:datastoreItem xmlns:ds="http://schemas.openxmlformats.org/officeDocument/2006/customXml" ds:itemID="{E3FC8A1C-A436-42C0-AC33-FAFFFAF219BC}">
+<ds:datastoreItem xmlns:ds="http://schemas.openxmlformats.org/officeDocument/2006/customXml" ds:itemID="{FF5C8BF1-B0E4-49A1-808F-40F2AD30E743}">
   <ds:schemaRefs>
-    <ds:schemaRef ds:uri="http://schemas.microsoft.com/sharepoint/v3/contenttype/forms"/>
+    <ds:schemaRef ds:uri="http://schemas.microsoft.com/office/2006/metadata/properties"/>
+    <ds:schemaRef ds:uri="http://schemas.microsoft.com/office/infopath/2007/PartnerControls"/>
+    <ds:schemaRef ds:uri="71af3243-3dd4-4a8d-8c0d-dd76da1f02a5"/>
   </ds:schemaRefs>
 </ds:datastoreItem>
 </file>
 
 <file path=customXml/itemProps2.xml><?xml version="1.0" encoding="utf-8"?>
-<ds:datastoreItem xmlns:ds="http://schemas.openxmlformats.org/officeDocument/2006/customXml" ds:itemID="{FF5C8BF1-B0E4-49A1-808F-40F2AD30E743}">
+<ds:datastoreItem xmlns:ds="http://schemas.openxmlformats.org/officeDocument/2006/customXml" ds:itemID="{E3FC8A1C-A436-42C0-AC33-FAFFFAF219BC}">
   <ds:schemaRefs>
-    <ds:schemaRef ds:uri="http://schemas.microsoft.com/office/2006/metadata/properties"/>
-    <ds:schemaRef ds:uri="http://schemas.microsoft.com/office/infopath/2007/PartnerControls"/>
-    <ds:schemaRef ds:uri="71af3243-3dd4-4a8d-8c0d-dd76da1f02a5"/>
+    <ds:schemaRef ds:uri="http://schemas.microsoft.com/sharepoint/v3/contenttype/forms"/>
   </ds:schemaRefs>
 </ds:datastoreItem>
 </file>
